--- a/EasyChoice_BusinessModel.pptx
+++ b/EasyChoice_BusinessModel.pptx
@@ -5988,6 +5988,48 @@
           </a:p>
         </p:txBody>
       </p:sp>
+      <p:sp>
+        <p:nvSpPr>
+          <p:cNvPr id="64" name="Google Shape;64;p13"/>
+          <p:cNvSpPr txBox="1"/>
+          <p:nvPr/>
+        </p:nvSpPr>
+        <p:spPr>
+          <a:xfrm>
+            <a:off x="687300" y="78650"/>
+            <a:ext cx="5786400" cy="675000"/>
+          </a:xfrm>
+          <a:prstGeom prst="rect">
+            <a:avLst/>
+          </a:prstGeom>
+          <a:noFill/>
+          <a:ln>
+            <a:noFill/>
+          </a:ln>
+        </p:spPr>
+        <p:txBody>
+          <a:bodyPr anchorCtr="0" anchor="t" bIns="91425" lIns="91425" spcFirstLastPara="1" rIns="91425" wrap="square" tIns="91425">
+            <a:noAutofit/>
+          </a:bodyPr>
+          <a:lstStyle/>
+          <a:p>
+            <a:pPr indent="0" lvl="0" marL="0" rtl="0" algn="l">
+              <a:spcBef>
+                <a:spcPts val="0"/>
+              </a:spcBef>
+              <a:spcAft>
+                <a:spcPts val="0"/>
+              </a:spcAft>
+              <a:buNone/>
+            </a:pPr>
+            <a:r>
+              <a:rPr lang="en"/>
+              <a:t>By Christian Cox &amp; Kyle Daniel Kirkpatrick</a:t>
+            </a:r>
+            <a:endParaRPr/>
+          </a:p>
+        </p:txBody>
+      </p:sp>
     </p:spTree>
   </p:cSld>
   <p:clrMapOvr>
